--- a/ppt 16-9/0637.主爱催人泪下.pptx
+++ b/ppt 16-9/0637.主爱催人泪下.pptx
@@ -129,7 +129,7 @@
           <p:cNvPr id="2" name="标题 1">
             <a:extLst>
               <a:ext uri="{FF2B5EF4-FFF2-40B4-BE49-F238E27FC236}">
-                <a16:creationId xmlns:a16="http://schemas.microsoft.com/office/drawing/2014/main" id="{C02FF4D8-B76B-B93C-B8E9-267334A281DB}"/>
+                <a16:creationId xmlns:a16="http://schemas.microsoft.com/office/drawing/2014/main" id="{690B4CBE-A39E-87E3-6479-05272124E18A}"/>
               </a:ext>
             </a:extLst>
           </p:cNvPr>
@@ -166,7 +166,7 @@
           <p:cNvPr id="3" name="副标题 2">
             <a:extLst>
               <a:ext uri="{FF2B5EF4-FFF2-40B4-BE49-F238E27FC236}">
-                <a16:creationId xmlns:a16="http://schemas.microsoft.com/office/drawing/2014/main" id="{79FC1CC9-2B87-CBFF-99E1-D8E8025071E4}"/>
+                <a16:creationId xmlns:a16="http://schemas.microsoft.com/office/drawing/2014/main" id="{7AD33F37-4345-8476-07CE-394F261D2887}"/>
               </a:ext>
             </a:extLst>
           </p:cNvPr>
@@ -236,7 +236,7 @@
           <p:cNvPr id="4" name="日期占位符 3">
             <a:extLst>
               <a:ext uri="{FF2B5EF4-FFF2-40B4-BE49-F238E27FC236}">
-                <a16:creationId xmlns:a16="http://schemas.microsoft.com/office/drawing/2014/main" id="{50323F55-5FDB-CBD7-1BC5-902406375664}"/>
+                <a16:creationId xmlns:a16="http://schemas.microsoft.com/office/drawing/2014/main" id="{C270C109-D531-9568-CDB3-ABDF479D1E97}"/>
               </a:ext>
             </a:extLst>
           </p:cNvPr>
@@ -252,7 +252,7 @@
           <a:bodyPr/>
           <a:lstStyle/>
           <a:p>
-            <a:fld id="{F1A23D3D-EE4C-4A75-9B19-788BA04AA439}" type="datetimeFigureOut">
+            <a:fld id="{B286C99A-F7B6-4C0F-9D16-9314CE68E2F9}" type="datetimeFigureOut">
               <a:rPr lang="zh-CN" altLang="en-US" smtClean="0"/>
               <a:t>2024/3/10</a:t>
             </a:fld>
@@ -265,7 +265,7 @@
           <p:cNvPr id="5" name="页脚占位符 4">
             <a:extLst>
               <a:ext uri="{FF2B5EF4-FFF2-40B4-BE49-F238E27FC236}">
-                <a16:creationId xmlns:a16="http://schemas.microsoft.com/office/drawing/2014/main" id="{685C837D-CA26-06CA-1202-1EC561061A1E}"/>
+                <a16:creationId xmlns:a16="http://schemas.microsoft.com/office/drawing/2014/main" id="{0158C2B0-3CDA-8F82-6CF9-829E9A857F02}"/>
               </a:ext>
             </a:extLst>
           </p:cNvPr>
@@ -290,7 +290,7 @@
           <p:cNvPr id="6" name="灯片编号占位符 5">
             <a:extLst>
               <a:ext uri="{FF2B5EF4-FFF2-40B4-BE49-F238E27FC236}">
-                <a16:creationId xmlns:a16="http://schemas.microsoft.com/office/drawing/2014/main" id="{F001FD90-0592-7CC0-2D52-8382556F8473}"/>
+                <a16:creationId xmlns:a16="http://schemas.microsoft.com/office/drawing/2014/main" id="{B565AD8B-C620-8857-B5E4-4D203F28EA7A}"/>
               </a:ext>
             </a:extLst>
           </p:cNvPr>
@@ -306,7 +306,7 @@
           <a:bodyPr/>
           <a:lstStyle/>
           <a:p>
-            <a:fld id="{A1D2299D-E0AB-451C-8648-D70B2A4833AC}" type="slidenum">
+            <a:fld id="{2DE6AC3E-0459-406A-ACD0-569C30511883}" type="slidenum">
               <a:rPr lang="zh-CN" altLang="en-US" smtClean="0"/>
               <a:t>‹#›</a:t>
             </a:fld>
@@ -317,7 +317,7 @@
     </p:spTree>
     <p:extLst>
       <p:ext uri="{BB962C8B-B14F-4D97-AF65-F5344CB8AC3E}">
-        <p14:creationId xmlns:p14="http://schemas.microsoft.com/office/powerpoint/2010/main" val="1411275264"/>
+        <p14:creationId xmlns:p14="http://schemas.microsoft.com/office/powerpoint/2010/main" val="2459164177"/>
       </p:ext>
     </p:extLst>
   </p:cSld>
@@ -349,7 +349,7 @@
           <p:cNvPr id="2" name="标题 1">
             <a:extLst>
               <a:ext uri="{FF2B5EF4-FFF2-40B4-BE49-F238E27FC236}">
-                <a16:creationId xmlns:a16="http://schemas.microsoft.com/office/drawing/2014/main" id="{A248DEA5-355D-43FC-DDE0-EF713ED9B62D}"/>
+                <a16:creationId xmlns:a16="http://schemas.microsoft.com/office/drawing/2014/main" id="{C5BFBF19-46F6-3C27-490A-C9955FD33146}"/>
               </a:ext>
             </a:extLst>
           </p:cNvPr>
@@ -377,7 +377,7 @@
           <p:cNvPr id="3" name="竖排文字占位符 2">
             <a:extLst>
               <a:ext uri="{FF2B5EF4-FFF2-40B4-BE49-F238E27FC236}">
-                <a16:creationId xmlns:a16="http://schemas.microsoft.com/office/drawing/2014/main" id="{C9EBA0FD-F7E6-6A49-8608-88EB685D2F43}"/>
+                <a16:creationId xmlns:a16="http://schemas.microsoft.com/office/drawing/2014/main" id="{509BA734-A684-3EDB-0C1D-7087CB89C47A}"/>
               </a:ext>
             </a:extLst>
           </p:cNvPr>
@@ -434,7 +434,7 @@
           <p:cNvPr id="4" name="日期占位符 3">
             <a:extLst>
               <a:ext uri="{FF2B5EF4-FFF2-40B4-BE49-F238E27FC236}">
-                <a16:creationId xmlns:a16="http://schemas.microsoft.com/office/drawing/2014/main" id="{CFE4670A-E2C2-3C7B-B0DF-B941BEC94FC6}"/>
+                <a16:creationId xmlns:a16="http://schemas.microsoft.com/office/drawing/2014/main" id="{D77756AB-297A-88ED-9289-9DCC938EB9DB}"/>
               </a:ext>
             </a:extLst>
           </p:cNvPr>
@@ -450,7 +450,7 @@
           <a:bodyPr/>
           <a:lstStyle/>
           <a:p>
-            <a:fld id="{F1A23D3D-EE4C-4A75-9B19-788BA04AA439}" type="datetimeFigureOut">
+            <a:fld id="{B286C99A-F7B6-4C0F-9D16-9314CE68E2F9}" type="datetimeFigureOut">
               <a:rPr lang="zh-CN" altLang="en-US" smtClean="0"/>
               <a:t>2024/3/10</a:t>
             </a:fld>
@@ -463,7 +463,7 @@
           <p:cNvPr id="5" name="页脚占位符 4">
             <a:extLst>
               <a:ext uri="{FF2B5EF4-FFF2-40B4-BE49-F238E27FC236}">
-                <a16:creationId xmlns:a16="http://schemas.microsoft.com/office/drawing/2014/main" id="{0CDE35D9-1032-9CB5-2824-037CD25188D8}"/>
+                <a16:creationId xmlns:a16="http://schemas.microsoft.com/office/drawing/2014/main" id="{45B3C5E7-9EEA-24ED-1B1C-C54C0323FF1F}"/>
               </a:ext>
             </a:extLst>
           </p:cNvPr>
@@ -488,7 +488,7 @@
           <p:cNvPr id="6" name="灯片编号占位符 5">
             <a:extLst>
               <a:ext uri="{FF2B5EF4-FFF2-40B4-BE49-F238E27FC236}">
-                <a16:creationId xmlns:a16="http://schemas.microsoft.com/office/drawing/2014/main" id="{84449E26-53B4-5CAA-4EFB-BEB021EFD9D0}"/>
+                <a16:creationId xmlns:a16="http://schemas.microsoft.com/office/drawing/2014/main" id="{91C92428-BB41-87C6-72D3-EC1BEF985A1F}"/>
               </a:ext>
             </a:extLst>
           </p:cNvPr>
@@ -504,7 +504,7 @@
           <a:bodyPr/>
           <a:lstStyle/>
           <a:p>
-            <a:fld id="{A1D2299D-E0AB-451C-8648-D70B2A4833AC}" type="slidenum">
+            <a:fld id="{2DE6AC3E-0459-406A-ACD0-569C30511883}" type="slidenum">
               <a:rPr lang="zh-CN" altLang="en-US" smtClean="0"/>
               <a:t>‹#›</a:t>
             </a:fld>
@@ -515,7 +515,7 @@
     </p:spTree>
     <p:extLst>
       <p:ext uri="{BB962C8B-B14F-4D97-AF65-F5344CB8AC3E}">
-        <p14:creationId xmlns:p14="http://schemas.microsoft.com/office/powerpoint/2010/main" val="3268613109"/>
+        <p14:creationId xmlns:p14="http://schemas.microsoft.com/office/powerpoint/2010/main" val="1341139520"/>
       </p:ext>
     </p:extLst>
   </p:cSld>
@@ -547,7 +547,7 @@
           <p:cNvPr id="2" name="竖排标题 1">
             <a:extLst>
               <a:ext uri="{FF2B5EF4-FFF2-40B4-BE49-F238E27FC236}">
-                <a16:creationId xmlns:a16="http://schemas.microsoft.com/office/drawing/2014/main" id="{488EDD08-90F1-D285-F26C-70132D14615A}"/>
+                <a16:creationId xmlns:a16="http://schemas.microsoft.com/office/drawing/2014/main" id="{35A3E6A0-ACC6-71A4-8386-11F3F48DCF09}"/>
               </a:ext>
             </a:extLst>
           </p:cNvPr>
@@ -580,7 +580,7 @@
           <p:cNvPr id="3" name="竖排文字占位符 2">
             <a:extLst>
               <a:ext uri="{FF2B5EF4-FFF2-40B4-BE49-F238E27FC236}">
-                <a16:creationId xmlns:a16="http://schemas.microsoft.com/office/drawing/2014/main" id="{5DED2DF1-992C-29A7-CD47-82F6D0A02F00}"/>
+                <a16:creationId xmlns:a16="http://schemas.microsoft.com/office/drawing/2014/main" id="{88A287CF-7F33-0450-D2D1-777C6D640DF2}"/>
               </a:ext>
             </a:extLst>
           </p:cNvPr>
@@ -642,7 +642,7 @@
           <p:cNvPr id="4" name="日期占位符 3">
             <a:extLst>
               <a:ext uri="{FF2B5EF4-FFF2-40B4-BE49-F238E27FC236}">
-                <a16:creationId xmlns:a16="http://schemas.microsoft.com/office/drawing/2014/main" id="{66664DFD-333D-4DCD-BE10-7D849F2B3643}"/>
+                <a16:creationId xmlns:a16="http://schemas.microsoft.com/office/drawing/2014/main" id="{ABF0E197-1096-44DB-C8BC-FE855AB50597}"/>
               </a:ext>
             </a:extLst>
           </p:cNvPr>
@@ -658,7 +658,7 @@
           <a:bodyPr/>
           <a:lstStyle/>
           <a:p>
-            <a:fld id="{F1A23D3D-EE4C-4A75-9B19-788BA04AA439}" type="datetimeFigureOut">
+            <a:fld id="{B286C99A-F7B6-4C0F-9D16-9314CE68E2F9}" type="datetimeFigureOut">
               <a:rPr lang="zh-CN" altLang="en-US" smtClean="0"/>
               <a:t>2024/3/10</a:t>
             </a:fld>
@@ -671,7 +671,7 @@
           <p:cNvPr id="5" name="页脚占位符 4">
             <a:extLst>
               <a:ext uri="{FF2B5EF4-FFF2-40B4-BE49-F238E27FC236}">
-                <a16:creationId xmlns:a16="http://schemas.microsoft.com/office/drawing/2014/main" id="{066DA8A0-BF24-E9E5-E82A-98E77743EE45}"/>
+                <a16:creationId xmlns:a16="http://schemas.microsoft.com/office/drawing/2014/main" id="{50B0BE8F-66AA-FF06-C1AC-6AEB254CD5E0}"/>
               </a:ext>
             </a:extLst>
           </p:cNvPr>
@@ -696,7 +696,7 @@
           <p:cNvPr id="6" name="灯片编号占位符 5">
             <a:extLst>
               <a:ext uri="{FF2B5EF4-FFF2-40B4-BE49-F238E27FC236}">
-                <a16:creationId xmlns:a16="http://schemas.microsoft.com/office/drawing/2014/main" id="{CD109C3C-6C08-3094-6B8F-12C78F599132}"/>
+                <a16:creationId xmlns:a16="http://schemas.microsoft.com/office/drawing/2014/main" id="{985AF414-4FF0-E4C2-6922-2CFA56DE462C}"/>
               </a:ext>
             </a:extLst>
           </p:cNvPr>
@@ -712,7 +712,7 @@
           <a:bodyPr/>
           <a:lstStyle/>
           <a:p>
-            <a:fld id="{A1D2299D-E0AB-451C-8648-D70B2A4833AC}" type="slidenum">
+            <a:fld id="{2DE6AC3E-0459-406A-ACD0-569C30511883}" type="slidenum">
               <a:rPr lang="zh-CN" altLang="en-US" smtClean="0"/>
               <a:t>‹#›</a:t>
             </a:fld>
@@ -723,7 +723,7 @@
     </p:spTree>
     <p:extLst>
       <p:ext uri="{BB962C8B-B14F-4D97-AF65-F5344CB8AC3E}">
-        <p14:creationId xmlns:p14="http://schemas.microsoft.com/office/powerpoint/2010/main" val="4133269968"/>
+        <p14:creationId xmlns:p14="http://schemas.microsoft.com/office/powerpoint/2010/main" val="1047709374"/>
       </p:ext>
     </p:extLst>
   </p:cSld>
@@ -755,7 +755,7 @@
           <p:cNvPr id="2" name="标题 1">
             <a:extLst>
               <a:ext uri="{FF2B5EF4-FFF2-40B4-BE49-F238E27FC236}">
-                <a16:creationId xmlns:a16="http://schemas.microsoft.com/office/drawing/2014/main" id="{E2EB08AD-848F-EB01-3EE8-859729362AC7}"/>
+                <a16:creationId xmlns:a16="http://schemas.microsoft.com/office/drawing/2014/main" id="{A8A4B2CF-65B5-F09F-6E21-9739A95C8325}"/>
               </a:ext>
             </a:extLst>
           </p:cNvPr>
@@ -783,7 +783,7 @@
           <p:cNvPr id="3" name="内容占位符 2">
             <a:extLst>
               <a:ext uri="{FF2B5EF4-FFF2-40B4-BE49-F238E27FC236}">
-                <a16:creationId xmlns:a16="http://schemas.microsoft.com/office/drawing/2014/main" id="{E371118E-C551-035A-040E-19DEC7DC61F5}"/>
+                <a16:creationId xmlns:a16="http://schemas.microsoft.com/office/drawing/2014/main" id="{20C366D2-5C95-3009-2ECF-FDD94C212577}"/>
               </a:ext>
             </a:extLst>
           </p:cNvPr>
@@ -840,7 +840,7 @@
           <p:cNvPr id="4" name="日期占位符 3">
             <a:extLst>
               <a:ext uri="{FF2B5EF4-FFF2-40B4-BE49-F238E27FC236}">
-                <a16:creationId xmlns:a16="http://schemas.microsoft.com/office/drawing/2014/main" id="{19E77503-041C-1D6B-6569-22008E054D82}"/>
+                <a16:creationId xmlns:a16="http://schemas.microsoft.com/office/drawing/2014/main" id="{B0883E9E-457C-9C5E-5E1A-F9BD9A64BEB0}"/>
               </a:ext>
             </a:extLst>
           </p:cNvPr>
@@ -856,7 +856,7 @@
           <a:bodyPr/>
           <a:lstStyle/>
           <a:p>
-            <a:fld id="{F1A23D3D-EE4C-4A75-9B19-788BA04AA439}" type="datetimeFigureOut">
+            <a:fld id="{B286C99A-F7B6-4C0F-9D16-9314CE68E2F9}" type="datetimeFigureOut">
               <a:rPr lang="zh-CN" altLang="en-US" smtClean="0"/>
               <a:t>2024/3/10</a:t>
             </a:fld>
@@ -869,7 +869,7 @@
           <p:cNvPr id="5" name="页脚占位符 4">
             <a:extLst>
               <a:ext uri="{FF2B5EF4-FFF2-40B4-BE49-F238E27FC236}">
-                <a16:creationId xmlns:a16="http://schemas.microsoft.com/office/drawing/2014/main" id="{69E9A08B-0C9A-5C01-62EE-49DFFF5D6C29}"/>
+                <a16:creationId xmlns:a16="http://schemas.microsoft.com/office/drawing/2014/main" id="{6102A8F5-CDDB-11E2-8428-378FB18DAFB2}"/>
               </a:ext>
             </a:extLst>
           </p:cNvPr>
@@ -894,7 +894,7 @@
           <p:cNvPr id="6" name="灯片编号占位符 5">
             <a:extLst>
               <a:ext uri="{FF2B5EF4-FFF2-40B4-BE49-F238E27FC236}">
-                <a16:creationId xmlns:a16="http://schemas.microsoft.com/office/drawing/2014/main" id="{AF9CCB31-FDEA-6CBC-D825-411A1931CD79}"/>
+                <a16:creationId xmlns:a16="http://schemas.microsoft.com/office/drawing/2014/main" id="{4F25EF90-0039-21C1-CF9F-A285BA4CD531}"/>
               </a:ext>
             </a:extLst>
           </p:cNvPr>
@@ -910,7 +910,7 @@
           <a:bodyPr/>
           <a:lstStyle/>
           <a:p>
-            <a:fld id="{A1D2299D-E0AB-451C-8648-D70B2A4833AC}" type="slidenum">
+            <a:fld id="{2DE6AC3E-0459-406A-ACD0-569C30511883}" type="slidenum">
               <a:rPr lang="zh-CN" altLang="en-US" smtClean="0"/>
               <a:t>‹#›</a:t>
             </a:fld>
@@ -921,7 +921,7 @@
     </p:spTree>
     <p:extLst>
       <p:ext uri="{BB962C8B-B14F-4D97-AF65-F5344CB8AC3E}">
-        <p14:creationId xmlns:p14="http://schemas.microsoft.com/office/powerpoint/2010/main" val="2936232939"/>
+        <p14:creationId xmlns:p14="http://schemas.microsoft.com/office/powerpoint/2010/main" val="375103115"/>
       </p:ext>
     </p:extLst>
   </p:cSld>
@@ -953,7 +953,7 @@
           <p:cNvPr id="2" name="标题 1">
             <a:extLst>
               <a:ext uri="{FF2B5EF4-FFF2-40B4-BE49-F238E27FC236}">
-                <a16:creationId xmlns:a16="http://schemas.microsoft.com/office/drawing/2014/main" id="{BE849BD1-F924-A086-E092-3165F23E7542}"/>
+                <a16:creationId xmlns:a16="http://schemas.microsoft.com/office/drawing/2014/main" id="{0F2C457B-6010-D98E-8D42-C491A77CCB29}"/>
               </a:ext>
             </a:extLst>
           </p:cNvPr>
@@ -990,7 +990,7 @@
           <p:cNvPr id="3" name="文本占位符 2">
             <a:extLst>
               <a:ext uri="{FF2B5EF4-FFF2-40B4-BE49-F238E27FC236}">
-                <a16:creationId xmlns:a16="http://schemas.microsoft.com/office/drawing/2014/main" id="{D1BC165F-30FF-38A2-ABCD-DF0FE842CC49}"/>
+                <a16:creationId xmlns:a16="http://schemas.microsoft.com/office/drawing/2014/main" id="{F95B4940-56D2-426F-785D-47F905C451EB}"/>
               </a:ext>
             </a:extLst>
           </p:cNvPr>
@@ -1115,7 +1115,7 @@
           <p:cNvPr id="4" name="日期占位符 3">
             <a:extLst>
               <a:ext uri="{FF2B5EF4-FFF2-40B4-BE49-F238E27FC236}">
-                <a16:creationId xmlns:a16="http://schemas.microsoft.com/office/drawing/2014/main" id="{412C6E25-07FB-9840-A799-69502855EC38}"/>
+                <a16:creationId xmlns:a16="http://schemas.microsoft.com/office/drawing/2014/main" id="{2CE56F19-75E3-3A77-52C9-D278CEDBEDDB}"/>
               </a:ext>
             </a:extLst>
           </p:cNvPr>
@@ -1131,7 +1131,7 @@
           <a:bodyPr/>
           <a:lstStyle/>
           <a:p>
-            <a:fld id="{F1A23D3D-EE4C-4A75-9B19-788BA04AA439}" type="datetimeFigureOut">
+            <a:fld id="{B286C99A-F7B6-4C0F-9D16-9314CE68E2F9}" type="datetimeFigureOut">
               <a:rPr lang="zh-CN" altLang="en-US" smtClean="0"/>
               <a:t>2024/3/10</a:t>
             </a:fld>
@@ -1144,7 +1144,7 @@
           <p:cNvPr id="5" name="页脚占位符 4">
             <a:extLst>
               <a:ext uri="{FF2B5EF4-FFF2-40B4-BE49-F238E27FC236}">
-                <a16:creationId xmlns:a16="http://schemas.microsoft.com/office/drawing/2014/main" id="{06D3FFAF-7D6E-1243-C9A9-F6108B5D2085}"/>
+                <a16:creationId xmlns:a16="http://schemas.microsoft.com/office/drawing/2014/main" id="{80D0F1DB-3E93-ABE0-419C-F477C3E32C5D}"/>
               </a:ext>
             </a:extLst>
           </p:cNvPr>
@@ -1169,7 +1169,7 @@
           <p:cNvPr id="6" name="灯片编号占位符 5">
             <a:extLst>
               <a:ext uri="{FF2B5EF4-FFF2-40B4-BE49-F238E27FC236}">
-                <a16:creationId xmlns:a16="http://schemas.microsoft.com/office/drawing/2014/main" id="{C9227966-B56B-DF5B-A104-53B06A15838B}"/>
+                <a16:creationId xmlns:a16="http://schemas.microsoft.com/office/drawing/2014/main" id="{9E2FF1F3-59AC-9A4C-91D0-C155AB91CF8A}"/>
               </a:ext>
             </a:extLst>
           </p:cNvPr>
@@ -1185,7 +1185,7 @@
           <a:bodyPr/>
           <a:lstStyle/>
           <a:p>
-            <a:fld id="{A1D2299D-E0AB-451C-8648-D70B2A4833AC}" type="slidenum">
+            <a:fld id="{2DE6AC3E-0459-406A-ACD0-569C30511883}" type="slidenum">
               <a:rPr lang="zh-CN" altLang="en-US" smtClean="0"/>
               <a:t>‹#›</a:t>
             </a:fld>
@@ -1196,7 +1196,7 @@
     </p:spTree>
     <p:extLst>
       <p:ext uri="{BB962C8B-B14F-4D97-AF65-F5344CB8AC3E}">
-        <p14:creationId xmlns:p14="http://schemas.microsoft.com/office/powerpoint/2010/main" val="532028193"/>
+        <p14:creationId xmlns:p14="http://schemas.microsoft.com/office/powerpoint/2010/main" val="4104362482"/>
       </p:ext>
     </p:extLst>
   </p:cSld>
@@ -1228,7 +1228,7 @@
           <p:cNvPr id="2" name="标题 1">
             <a:extLst>
               <a:ext uri="{FF2B5EF4-FFF2-40B4-BE49-F238E27FC236}">
-                <a16:creationId xmlns:a16="http://schemas.microsoft.com/office/drawing/2014/main" id="{6CE75951-533D-A527-E35F-D5F1D0465CF6}"/>
+                <a16:creationId xmlns:a16="http://schemas.microsoft.com/office/drawing/2014/main" id="{3267F2C6-4941-F978-CA53-2900CC213C63}"/>
               </a:ext>
             </a:extLst>
           </p:cNvPr>
@@ -1256,7 +1256,7 @@
           <p:cNvPr id="3" name="内容占位符 2">
             <a:extLst>
               <a:ext uri="{FF2B5EF4-FFF2-40B4-BE49-F238E27FC236}">
-                <a16:creationId xmlns:a16="http://schemas.microsoft.com/office/drawing/2014/main" id="{A0977632-769F-5154-FE26-26DA4163DB56}"/>
+                <a16:creationId xmlns:a16="http://schemas.microsoft.com/office/drawing/2014/main" id="{B57A2AB0-1219-2D80-68E4-F11B7355D240}"/>
               </a:ext>
             </a:extLst>
           </p:cNvPr>
@@ -1318,7 +1318,7 @@
           <p:cNvPr id="4" name="内容占位符 3">
             <a:extLst>
               <a:ext uri="{FF2B5EF4-FFF2-40B4-BE49-F238E27FC236}">
-                <a16:creationId xmlns:a16="http://schemas.microsoft.com/office/drawing/2014/main" id="{A5D95DC0-5001-FC0B-69EA-951629F9AE81}"/>
+                <a16:creationId xmlns:a16="http://schemas.microsoft.com/office/drawing/2014/main" id="{DF453616-9A98-9017-FB44-62357AC300C1}"/>
               </a:ext>
             </a:extLst>
           </p:cNvPr>
@@ -1380,7 +1380,7 @@
           <p:cNvPr id="5" name="日期占位符 4">
             <a:extLst>
               <a:ext uri="{FF2B5EF4-FFF2-40B4-BE49-F238E27FC236}">
-                <a16:creationId xmlns:a16="http://schemas.microsoft.com/office/drawing/2014/main" id="{929778FE-3DF7-E03F-A7E3-26523C92620A}"/>
+                <a16:creationId xmlns:a16="http://schemas.microsoft.com/office/drawing/2014/main" id="{798127D3-2945-0280-D577-3AD34507C3C2}"/>
               </a:ext>
             </a:extLst>
           </p:cNvPr>
@@ -1396,7 +1396,7 @@
           <a:bodyPr/>
           <a:lstStyle/>
           <a:p>
-            <a:fld id="{F1A23D3D-EE4C-4A75-9B19-788BA04AA439}" type="datetimeFigureOut">
+            <a:fld id="{B286C99A-F7B6-4C0F-9D16-9314CE68E2F9}" type="datetimeFigureOut">
               <a:rPr lang="zh-CN" altLang="en-US" smtClean="0"/>
               <a:t>2024/3/10</a:t>
             </a:fld>
@@ -1409,7 +1409,7 @@
           <p:cNvPr id="6" name="页脚占位符 5">
             <a:extLst>
               <a:ext uri="{FF2B5EF4-FFF2-40B4-BE49-F238E27FC236}">
-                <a16:creationId xmlns:a16="http://schemas.microsoft.com/office/drawing/2014/main" id="{EB4367D2-486C-62D0-A43E-25A1CFFC8ED8}"/>
+                <a16:creationId xmlns:a16="http://schemas.microsoft.com/office/drawing/2014/main" id="{5EDC6F06-2249-5175-D6C4-C063E77FB922}"/>
               </a:ext>
             </a:extLst>
           </p:cNvPr>
@@ -1434,7 +1434,7 @@
           <p:cNvPr id="7" name="灯片编号占位符 6">
             <a:extLst>
               <a:ext uri="{FF2B5EF4-FFF2-40B4-BE49-F238E27FC236}">
-                <a16:creationId xmlns:a16="http://schemas.microsoft.com/office/drawing/2014/main" id="{0439F85D-7729-5A40-1EA2-C2E5C7CD0155}"/>
+                <a16:creationId xmlns:a16="http://schemas.microsoft.com/office/drawing/2014/main" id="{B8AAFE7F-53C7-288A-6F94-14F308F4803F}"/>
               </a:ext>
             </a:extLst>
           </p:cNvPr>
@@ -1450,7 +1450,7 @@
           <a:bodyPr/>
           <a:lstStyle/>
           <a:p>
-            <a:fld id="{A1D2299D-E0AB-451C-8648-D70B2A4833AC}" type="slidenum">
+            <a:fld id="{2DE6AC3E-0459-406A-ACD0-569C30511883}" type="slidenum">
               <a:rPr lang="zh-CN" altLang="en-US" smtClean="0"/>
               <a:t>‹#›</a:t>
             </a:fld>
@@ -1461,7 +1461,7 @@
     </p:spTree>
     <p:extLst>
       <p:ext uri="{BB962C8B-B14F-4D97-AF65-F5344CB8AC3E}">
-        <p14:creationId xmlns:p14="http://schemas.microsoft.com/office/powerpoint/2010/main" val="3866196443"/>
+        <p14:creationId xmlns:p14="http://schemas.microsoft.com/office/powerpoint/2010/main" val="3265437617"/>
       </p:ext>
     </p:extLst>
   </p:cSld>
@@ -1493,7 +1493,7 @@
           <p:cNvPr id="2" name="标题 1">
             <a:extLst>
               <a:ext uri="{FF2B5EF4-FFF2-40B4-BE49-F238E27FC236}">
-                <a16:creationId xmlns:a16="http://schemas.microsoft.com/office/drawing/2014/main" id="{40769DE3-2BD4-F0AC-7BE8-0AD6F1D70479}"/>
+                <a16:creationId xmlns:a16="http://schemas.microsoft.com/office/drawing/2014/main" id="{8470AC92-DC62-312C-46FF-AEB2D0F84CA0}"/>
               </a:ext>
             </a:extLst>
           </p:cNvPr>
@@ -1526,7 +1526,7 @@
           <p:cNvPr id="3" name="文本占位符 2">
             <a:extLst>
               <a:ext uri="{FF2B5EF4-FFF2-40B4-BE49-F238E27FC236}">
-                <a16:creationId xmlns:a16="http://schemas.microsoft.com/office/drawing/2014/main" id="{9D7170EF-717D-AA2C-59AB-D2CD5A90329C}"/>
+                <a16:creationId xmlns:a16="http://schemas.microsoft.com/office/drawing/2014/main" id="{8B2C1DB9-1194-CE0D-4774-16470F06F948}"/>
               </a:ext>
             </a:extLst>
           </p:cNvPr>
@@ -1597,7 +1597,7 @@
           <p:cNvPr id="4" name="内容占位符 3">
             <a:extLst>
               <a:ext uri="{FF2B5EF4-FFF2-40B4-BE49-F238E27FC236}">
-                <a16:creationId xmlns:a16="http://schemas.microsoft.com/office/drawing/2014/main" id="{1C73CBBA-8B5E-F2FE-0CF4-E88F34BBC3EE}"/>
+                <a16:creationId xmlns:a16="http://schemas.microsoft.com/office/drawing/2014/main" id="{D6648C4F-6C26-CE23-A0AA-7D2BACAFFB4B}"/>
               </a:ext>
             </a:extLst>
           </p:cNvPr>
@@ -1659,7 +1659,7 @@
           <p:cNvPr id="5" name="文本占位符 4">
             <a:extLst>
               <a:ext uri="{FF2B5EF4-FFF2-40B4-BE49-F238E27FC236}">
-                <a16:creationId xmlns:a16="http://schemas.microsoft.com/office/drawing/2014/main" id="{BC4F3973-DECA-1168-DDEF-1D5F73721223}"/>
+                <a16:creationId xmlns:a16="http://schemas.microsoft.com/office/drawing/2014/main" id="{3A8D1EF5-7DFD-D237-54EB-AC2F613DA144}"/>
               </a:ext>
             </a:extLst>
           </p:cNvPr>
@@ -1730,7 +1730,7 @@
           <p:cNvPr id="6" name="内容占位符 5">
             <a:extLst>
               <a:ext uri="{FF2B5EF4-FFF2-40B4-BE49-F238E27FC236}">
-                <a16:creationId xmlns:a16="http://schemas.microsoft.com/office/drawing/2014/main" id="{C0071C64-F851-B73F-F2DC-57463A8DEAC4}"/>
+                <a16:creationId xmlns:a16="http://schemas.microsoft.com/office/drawing/2014/main" id="{761FC003-B740-DA63-895C-252E9AC09541}"/>
               </a:ext>
             </a:extLst>
           </p:cNvPr>
@@ -1792,7 +1792,7 @@
           <p:cNvPr id="7" name="日期占位符 6">
             <a:extLst>
               <a:ext uri="{FF2B5EF4-FFF2-40B4-BE49-F238E27FC236}">
-                <a16:creationId xmlns:a16="http://schemas.microsoft.com/office/drawing/2014/main" id="{D8C52218-026F-7106-32AF-802E2BFFFFE3}"/>
+                <a16:creationId xmlns:a16="http://schemas.microsoft.com/office/drawing/2014/main" id="{8EFF6242-FF2A-5EE2-EB10-0F121A02E4DD}"/>
               </a:ext>
             </a:extLst>
           </p:cNvPr>
@@ -1808,7 +1808,7 @@
           <a:bodyPr/>
           <a:lstStyle/>
           <a:p>
-            <a:fld id="{F1A23D3D-EE4C-4A75-9B19-788BA04AA439}" type="datetimeFigureOut">
+            <a:fld id="{B286C99A-F7B6-4C0F-9D16-9314CE68E2F9}" type="datetimeFigureOut">
               <a:rPr lang="zh-CN" altLang="en-US" smtClean="0"/>
               <a:t>2024/3/10</a:t>
             </a:fld>
@@ -1821,7 +1821,7 @@
           <p:cNvPr id="8" name="页脚占位符 7">
             <a:extLst>
               <a:ext uri="{FF2B5EF4-FFF2-40B4-BE49-F238E27FC236}">
-                <a16:creationId xmlns:a16="http://schemas.microsoft.com/office/drawing/2014/main" id="{79FADBF7-1BF5-C0A8-4C51-EA04BEAF32BE}"/>
+                <a16:creationId xmlns:a16="http://schemas.microsoft.com/office/drawing/2014/main" id="{902F58C9-F2C7-6470-888B-FB4600B3D6BC}"/>
               </a:ext>
             </a:extLst>
           </p:cNvPr>
@@ -1846,7 +1846,7 @@
           <p:cNvPr id="9" name="灯片编号占位符 8">
             <a:extLst>
               <a:ext uri="{FF2B5EF4-FFF2-40B4-BE49-F238E27FC236}">
-                <a16:creationId xmlns:a16="http://schemas.microsoft.com/office/drawing/2014/main" id="{154EE6AB-23A9-BA4E-CCD5-09B8C281697A}"/>
+                <a16:creationId xmlns:a16="http://schemas.microsoft.com/office/drawing/2014/main" id="{D6246D6D-7638-74C8-01B1-45556CF518EE}"/>
               </a:ext>
             </a:extLst>
           </p:cNvPr>
@@ -1862,7 +1862,7 @@
           <a:bodyPr/>
           <a:lstStyle/>
           <a:p>
-            <a:fld id="{A1D2299D-E0AB-451C-8648-D70B2A4833AC}" type="slidenum">
+            <a:fld id="{2DE6AC3E-0459-406A-ACD0-569C30511883}" type="slidenum">
               <a:rPr lang="zh-CN" altLang="en-US" smtClean="0"/>
               <a:t>‹#›</a:t>
             </a:fld>
@@ -1873,7 +1873,7 @@
     </p:spTree>
     <p:extLst>
       <p:ext uri="{BB962C8B-B14F-4D97-AF65-F5344CB8AC3E}">
-        <p14:creationId xmlns:p14="http://schemas.microsoft.com/office/powerpoint/2010/main" val="64837897"/>
+        <p14:creationId xmlns:p14="http://schemas.microsoft.com/office/powerpoint/2010/main" val="2196858364"/>
       </p:ext>
     </p:extLst>
   </p:cSld>
@@ -1905,7 +1905,7 @@
           <p:cNvPr id="2" name="标题 1">
             <a:extLst>
               <a:ext uri="{FF2B5EF4-FFF2-40B4-BE49-F238E27FC236}">
-                <a16:creationId xmlns:a16="http://schemas.microsoft.com/office/drawing/2014/main" id="{A0A444E7-9880-1E51-ECE2-3BB68DA17A89}"/>
+                <a16:creationId xmlns:a16="http://schemas.microsoft.com/office/drawing/2014/main" id="{AEEB6585-A078-DB83-E886-67E07E753EC9}"/>
               </a:ext>
             </a:extLst>
           </p:cNvPr>
@@ -1933,7 +1933,7 @@
           <p:cNvPr id="3" name="日期占位符 2">
             <a:extLst>
               <a:ext uri="{FF2B5EF4-FFF2-40B4-BE49-F238E27FC236}">
-                <a16:creationId xmlns:a16="http://schemas.microsoft.com/office/drawing/2014/main" id="{B9918084-6DA1-101B-76CB-32A08EB5856F}"/>
+                <a16:creationId xmlns:a16="http://schemas.microsoft.com/office/drawing/2014/main" id="{42DAB01A-5056-A020-C1CF-8280C9121724}"/>
               </a:ext>
             </a:extLst>
           </p:cNvPr>
@@ -1949,7 +1949,7 @@
           <a:bodyPr/>
           <a:lstStyle/>
           <a:p>
-            <a:fld id="{F1A23D3D-EE4C-4A75-9B19-788BA04AA439}" type="datetimeFigureOut">
+            <a:fld id="{B286C99A-F7B6-4C0F-9D16-9314CE68E2F9}" type="datetimeFigureOut">
               <a:rPr lang="zh-CN" altLang="en-US" smtClean="0"/>
               <a:t>2024/3/10</a:t>
             </a:fld>
@@ -1962,7 +1962,7 @@
           <p:cNvPr id="4" name="页脚占位符 3">
             <a:extLst>
               <a:ext uri="{FF2B5EF4-FFF2-40B4-BE49-F238E27FC236}">
-                <a16:creationId xmlns:a16="http://schemas.microsoft.com/office/drawing/2014/main" id="{D359B262-382B-BE6F-4D69-36F2D4BC05F1}"/>
+                <a16:creationId xmlns:a16="http://schemas.microsoft.com/office/drawing/2014/main" id="{3C5CF8B3-841D-ABA1-35A5-DB510D8BC89C}"/>
               </a:ext>
             </a:extLst>
           </p:cNvPr>
@@ -1987,7 +1987,7 @@
           <p:cNvPr id="5" name="灯片编号占位符 4">
             <a:extLst>
               <a:ext uri="{FF2B5EF4-FFF2-40B4-BE49-F238E27FC236}">
-                <a16:creationId xmlns:a16="http://schemas.microsoft.com/office/drawing/2014/main" id="{072C5F98-CBB5-5717-6D4C-099136C62DCC}"/>
+                <a16:creationId xmlns:a16="http://schemas.microsoft.com/office/drawing/2014/main" id="{14FF3D4C-7ED2-B8A4-4941-51F9B5D50496}"/>
               </a:ext>
             </a:extLst>
           </p:cNvPr>
@@ -2003,7 +2003,7 @@
           <a:bodyPr/>
           <a:lstStyle/>
           <a:p>
-            <a:fld id="{A1D2299D-E0AB-451C-8648-D70B2A4833AC}" type="slidenum">
+            <a:fld id="{2DE6AC3E-0459-406A-ACD0-569C30511883}" type="slidenum">
               <a:rPr lang="zh-CN" altLang="en-US" smtClean="0"/>
               <a:t>‹#›</a:t>
             </a:fld>
@@ -2014,7 +2014,7 @@
     </p:spTree>
     <p:extLst>
       <p:ext uri="{BB962C8B-B14F-4D97-AF65-F5344CB8AC3E}">
-        <p14:creationId xmlns:p14="http://schemas.microsoft.com/office/powerpoint/2010/main" val="797840696"/>
+        <p14:creationId xmlns:p14="http://schemas.microsoft.com/office/powerpoint/2010/main" val="1155620283"/>
       </p:ext>
     </p:extLst>
   </p:cSld>
@@ -2046,7 +2046,7 @@
           <p:cNvPr id="2" name="日期占位符 1">
             <a:extLst>
               <a:ext uri="{FF2B5EF4-FFF2-40B4-BE49-F238E27FC236}">
-                <a16:creationId xmlns:a16="http://schemas.microsoft.com/office/drawing/2014/main" id="{7460FD11-FBD2-15DB-6FC0-82DABA77272F}"/>
+                <a16:creationId xmlns:a16="http://schemas.microsoft.com/office/drawing/2014/main" id="{91F8D110-8423-5A0E-7026-83EB42DE5592}"/>
               </a:ext>
             </a:extLst>
           </p:cNvPr>
@@ -2062,7 +2062,7 @@
           <a:bodyPr/>
           <a:lstStyle/>
           <a:p>
-            <a:fld id="{F1A23D3D-EE4C-4A75-9B19-788BA04AA439}" type="datetimeFigureOut">
+            <a:fld id="{B286C99A-F7B6-4C0F-9D16-9314CE68E2F9}" type="datetimeFigureOut">
               <a:rPr lang="zh-CN" altLang="en-US" smtClean="0"/>
               <a:t>2024/3/10</a:t>
             </a:fld>
@@ -2075,7 +2075,7 @@
           <p:cNvPr id="3" name="页脚占位符 2">
             <a:extLst>
               <a:ext uri="{FF2B5EF4-FFF2-40B4-BE49-F238E27FC236}">
-                <a16:creationId xmlns:a16="http://schemas.microsoft.com/office/drawing/2014/main" id="{BD273D8C-ADB9-2DA9-FB94-3177FF32719C}"/>
+                <a16:creationId xmlns:a16="http://schemas.microsoft.com/office/drawing/2014/main" id="{8E4EE37A-B64F-E29B-F895-C9B92F58267E}"/>
               </a:ext>
             </a:extLst>
           </p:cNvPr>
@@ -2100,7 +2100,7 @@
           <p:cNvPr id="4" name="灯片编号占位符 3">
             <a:extLst>
               <a:ext uri="{FF2B5EF4-FFF2-40B4-BE49-F238E27FC236}">
-                <a16:creationId xmlns:a16="http://schemas.microsoft.com/office/drawing/2014/main" id="{A8D6FE8E-299D-0C48-D575-ED5F1F8F436C}"/>
+                <a16:creationId xmlns:a16="http://schemas.microsoft.com/office/drawing/2014/main" id="{9F789B92-862D-44D8-8925-ABFD378B5B8B}"/>
               </a:ext>
             </a:extLst>
           </p:cNvPr>
@@ -2116,7 +2116,7 @@
           <a:bodyPr/>
           <a:lstStyle/>
           <a:p>
-            <a:fld id="{A1D2299D-E0AB-451C-8648-D70B2A4833AC}" type="slidenum">
+            <a:fld id="{2DE6AC3E-0459-406A-ACD0-569C30511883}" type="slidenum">
               <a:rPr lang="zh-CN" altLang="en-US" smtClean="0"/>
               <a:t>‹#›</a:t>
             </a:fld>
@@ -2127,7 +2127,7 @@
     </p:spTree>
     <p:extLst>
       <p:ext uri="{BB962C8B-B14F-4D97-AF65-F5344CB8AC3E}">
-        <p14:creationId xmlns:p14="http://schemas.microsoft.com/office/powerpoint/2010/main" val="2052424128"/>
+        <p14:creationId xmlns:p14="http://schemas.microsoft.com/office/powerpoint/2010/main" val="1844070283"/>
       </p:ext>
     </p:extLst>
   </p:cSld>
@@ -2159,7 +2159,7 @@
           <p:cNvPr id="2" name="标题 1">
             <a:extLst>
               <a:ext uri="{FF2B5EF4-FFF2-40B4-BE49-F238E27FC236}">
-                <a16:creationId xmlns:a16="http://schemas.microsoft.com/office/drawing/2014/main" id="{8DDFE6AA-84FC-1122-263A-FA93DBB31914}"/>
+                <a16:creationId xmlns:a16="http://schemas.microsoft.com/office/drawing/2014/main" id="{5EA2AE67-5A9E-19EB-9064-95B07DF99C1A}"/>
               </a:ext>
             </a:extLst>
           </p:cNvPr>
@@ -2196,7 +2196,7 @@
           <p:cNvPr id="3" name="内容占位符 2">
             <a:extLst>
               <a:ext uri="{FF2B5EF4-FFF2-40B4-BE49-F238E27FC236}">
-                <a16:creationId xmlns:a16="http://schemas.microsoft.com/office/drawing/2014/main" id="{486A19B9-FDAE-B994-8922-9F0A3F730B84}"/>
+                <a16:creationId xmlns:a16="http://schemas.microsoft.com/office/drawing/2014/main" id="{D0BB7886-4F7D-63B5-E34E-233F878C8A43}"/>
               </a:ext>
             </a:extLst>
           </p:cNvPr>
@@ -2286,7 +2286,7 @@
           <p:cNvPr id="4" name="文本占位符 3">
             <a:extLst>
               <a:ext uri="{FF2B5EF4-FFF2-40B4-BE49-F238E27FC236}">
-                <a16:creationId xmlns:a16="http://schemas.microsoft.com/office/drawing/2014/main" id="{A3B286CE-39FF-ACE7-8B27-261627AB605D}"/>
+                <a16:creationId xmlns:a16="http://schemas.microsoft.com/office/drawing/2014/main" id="{207DBC83-9AD2-F3B1-8C6C-7EEC28B9D714}"/>
               </a:ext>
             </a:extLst>
           </p:cNvPr>
@@ -2357,7 +2357,7 @@
           <p:cNvPr id="5" name="日期占位符 4">
             <a:extLst>
               <a:ext uri="{FF2B5EF4-FFF2-40B4-BE49-F238E27FC236}">
-                <a16:creationId xmlns:a16="http://schemas.microsoft.com/office/drawing/2014/main" id="{BD2B0746-1126-C0DA-04D0-639CDF5EB083}"/>
+                <a16:creationId xmlns:a16="http://schemas.microsoft.com/office/drawing/2014/main" id="{79614E96-D109-D09C-E81E-2D4967F776AD}"/>
               </a:ext>
             </a:extLst>
           </p:cNvPr>
@@ -2373,7 +2373,7 @@
           <a:bodyPr/>
           <a:lstStyle/>
           <a:p>
-            <a:fld id="{F1A23D3D-EE4C-4A75-9B19-788BA04AA439}" type="datetimeFigureOut">
+            <a:fld id="{B286C99A-F7B6-4C0F-9D16-9314CE68E2F9}" type="datetimeFigureOut">
               <a:rPr lang="zh-CN" altLang="en-US" smtClean="0"/>
               <a:t>2024/3/10</a:t>
             </a:fld>
@@ -2386,7 +2386,7 @@
           <p:cNvPr id="6" name="页脚占位符 5">
             <a:extLst>
               <a:ext uri="{FF2B5EF4-FFF2-40B4-BE49-F238E27FC236}">
-                <a16:creationId xmlns:a16="http://schemas.microsoft.com/office/drawing/2014/main" id="{D55AF363-CB76-A6E2-53FD-85371BC338A5}"/>
+                <a16:creationId xmlns:a16="http://schemas.microsoft.com/office/drawing/2014/main" id="{727F2832-7DCA-BDCF-FCEA-C35E9F26253B}"/>
               </a:ext>
             </a:extLst>
           </p:cNvPr>
@@ -2411,7 +2411,7 @@
           <p:cNvPr id="7" name="灯片编号占位符 6">
             <a:extLst>
               <a:ext uri="{FF2B5EF4-FFF2-40B4-BE49-F238E27FC236}">
-                <a16:creationId xmlns:a16="http://schemas.microsoft.com/office/drawing/2014/main" id="{BA3EF6F4-02B7-D8D6-19B3-FE31F921CB7B}"/>
+                <a16:creationId xmlns:a16="http://schemas.microsoft.com/office/drawing/2014/main" id="{E72AD945-828B-7826-71CA-C19207439D35}"/>
               </a:ext>
             </a:extLst>
           </p:cNvPr>
@@ -2427,7 +2427,7 @@
           <a:bodyPr/>
           <a:lstStyle/>
           <a:p>
-            <a:fld id="{A1D2299D-E0AB-451C-8648-D70B2A4833AC}" type="slidenum">
+            <a:fld id="{2DE6AC3E-0459-406A-ACD0-569C30511883}" type="slidenum">
               <a:rPr lang="zh-CN" altLang="en-US" smtClean="0"/>
               <a:t>‹#›</a:t>
             </a:fld>
@@ -2438,7 +2438,7 @@
     </p:spTree>
     <p:extLst>
       <p:ext uri="{BB962C8B-B14F-4D97-AF65-F5344CB8AC3E}">
-        <p14:creationId xmlns:p14="http://schemas.microsoft.com/office/powerpoint/2010/main" val="306010072"/>
+        <p14:creationId xmlns:p14="http://schemas.microsoft.com/office/powerpoint/2010/main" val="3527478924"/>
       </p:ext>
     </p:extLst>
   </p:cSld>
@@ -2470,7 +2470,7 @@
           <p:cNvPr id="2" name="标题 1">
             <a:extLst>
               <a:ext uri="{FF2B5EF4-FFF2-40B4-BE49-F238E27FC236}">
-                <a16:creationId xmlns:a16="http://schemas.microsoft.com/office/drawing/2014/main" id="{EEDCF681-DFA9-FF0D-F6F4-0E4C86473C4E}"/>
+                <a16:creationId xmlns:a16="http://schemas.microsoft.com/office/drawing/2014/main" id="{F77FDE18-B0B9-2F47-208B-F5F3944A2281}"/>
               </a:ext>
             </a:extLst>
           </p:cNvPr>
@@ -2507,7 +2507,7 @@
           <p:cNvPr id="3" name="图片占位符 2">
             <a:extLst>
               <a:ext uri="{FF2B5EF4-FFF2-40B4-BE49-F238E27FC236}">
-                <a16:creationId xmlns:a16="http://schemas.microsoft.com/office/drawing/2014/main" id="{5B4A141F-9075-6960-6926-FCA7E6421769}"/>
+                <a16:creationId xmlns:a16="http://schemas.microsoft.com/office/drawing/2014/main" id="{42F1380D-7D76-ECE2-8B8B-7D9F78C53C94}"/>
               </a:ext>
             </a:extLst>
           </p:cNvPr>
@@ -2574,7 +2574,7 @@
           <p:cNvPr id="4" name="文本占位符 3">
             <a:extLst>
               <a:ext uri="{FF2B5EF4-FFF2-40B4-BE49-F238E27FC236}">
-                <a16:creationId xmlns:a16="http://schemas.microsoft.com/office/drawing/2014/main" id="{1BBCBAB5-064C-32BD-741B-62C47DC568A6}"/>
+                <a16:creationId xmlns:a16="http://schemas.microsoft.com/office/drawing/2014/main" id="{58BDEE61-8C0D-DB95-C08D-5B400B9FB308}"/>
               </a:ext>
             </a:extLst>
           </p:cNvPr>
@@ -2645,7 +2645,7 @@
           <p:cNvPr id="5" name="日期占位符 4">
             <a:extLst>
               <a:ext uri="{FF2B5EF4-FFF2-40B4-BE49-F238E27FC236}">
-                <a16:creationId xmlns:a16="http://schemas.microsoft.com/office/drawing/2014/main" id="{219DB71E-309B-1082-FB0A-83C70FD6595E}"/>
+                <a16:creationId xmlns:a16="http://schemas.microsoft.com/office/drawing/2014/main" id="{21DEC5B2-3BE7-1B3D-FCF4-FC9A406A919E}"/>
               </a:ext>
             </a:extLst>
           </p:cNvPr>
@@ -2661,7 +2661,7 @@
           <a:bodyPr/>
           <a:lstStyle/>
           <a:p>
-            <a:fld id="{F1A23D3D-EE4C-4A75-9B19-788BA04AA439}" type="datetimeFigureOut">
+            <a:fld id="{B286C99A-F7B6-4C0F-9D16-9314CE68E2F9}" type="datetimeFigureOut">
               <a:rPr lang="zh-CN" altLang="en-US" smtClean="0"/>
               <a:t>2024/3/10</a:t>
             </a:fld>
@@ -2674,7 +2674,7 @@
           <p:cNvPr id="6" name="页脚占位符 5">
             <a:extLst>
               <a:ext uri="{FF2B5EF4-FFF2-40B4-BE49-F238E27FC236}">
-                <a16:creationId xmlns:a16="http://schemas.microsoft.com/office/drawing/2014/main" id="{AD068927-E16C-3695-F4F3-7A2843A500DC}"/>
+                <a16:creationId xmlns:a16="http://schemas.microsoft.com/office/drawing/2014/main" id="{D557B1B5-F985-6637-21D6-CC3AE7E155FB}"/>
               </a:ext>
             </a:extLst>
           </p:cNvPr>
@@ -2699,7 +2699,7 @@
           <p:cNvPr id="7" name="灯片编号占位符 6">
             <a:extLst>
               <a:ext uri="{FF2B5EF4-FFF2-40B4-BE49-F238E27FC236}">
-                <a16:creationId xmlns:a16="http://schemas.microsoft.com/office/drawing/2014/main" id="{0D949413-A4E8-A953-075D-D2A5CE2D296C}"/>
+                <a16:creationId xmlns:a16="http://schemas.microsoft.com/office/drawing/2014/main" id="{1F5DCD33-54D2-1862-5D7F-7772D768015E}"/>
               </a:ext>
             </a:extLst>
           </p:cNvPr>
@@ -2715,7 +2715,7 @@
           <a:bodyPr/>
           <a:lstStyle/>
           <a:p>
-            <a:fld id="{A1D2299D-E0AB-451C-8648-D70B2A4833AC}" type="slidenum">
+            <a:fld id="{2DE6AC3E-0459-406A-ACD0-569C30511883}" type="slidenum">
               <a:rPr lang="zh-CN" altLang="en-US" smtClean="0"/>
               <a:t>‹#›</a:t>
             </a:fld>
@@ -2726,7 +2726,7 @@
     </p:spTree>
     <p:extLst>
       <p:ext uri="{BB962C8B-B14F-4D97-AF65-F5344CB8AC3E}">
-        <p14:creationId xmlns:p14="http://schemas.microsoft.com/office/powerpoint/2010/main" val="654895520"/>
+        <p14:creationId xmlns:p14="http://schemas.microsoft.com/office/powerpoint/2010/main" val="2826082937"/>
       </p:ext>
     </p:extLst>
   </p:cSld>
@@ -2763,7 +2763,7 @@
           <p:cNvPr id="2" name="标题占位符 1">
             <a:extLst>
               <a:ext uri="{FF2B5EF4-FFF2-40B4-BE49-F238E27FC236}">
-                <a16:creationId xmlns:a16="http://schemas.microsoft.com/office/drawing/2014/main" id="{0CA4454E-3DD7-B4D6-C485-E9EB46EBC809}"/>
+                <a16:creationId xmlns:a16="http://schemas.microsoft.com/office/drawing/2014/main" id="{D237E237-F547-AF3A-12F1-A0590D6F7EEE}"/>
               </a:ext>
             </a:extLst>
           </p:cNvPr>
@@ -2801,7 +2801,7 @@
           <p:cNvPr id="3" name="文本占位符 2">
             <a:extLst>
               <a:ext uri="{FF2B5EF4-FFF2-40B4-BE49-F238E27FC236}">
-                <a16:creationId xmlns:a16="http://schemas.microsoft.com/office/drawing/2014/main" id="{BD79829E-C8F1-110C-0A50-0CF41D852947}"/>
+                <a16:creationId xmlns:a16="http://schemas.microsoft.com/office/drawing/2014/main" id="{F9A75F31-5168-32E1-7980-718E5CB75412}"/>
               </a:ext>
             </a:extLst>
           </p:cNvPr>
@@ -2868,7 +2868,7 @@
           <p:cNvPr id="4" name="日期占位符 3">
             <a:extLst>
               <a:ext uri="{FF2B5EF4-FFF2-40B4-BE49-F238E27FC236}">
-                <a16:creationId xmlns:a16="http://schemas.microsoft.com/office/drawing/2014/main" id="{390A44FE-D569-732F-A74F-10CF2474AC66}"/>
+                <a16:creationId xmlns:a16="http://schemas.microsoft.com/office/drawing/2014/main" id="{F6E90AD7-D74B-78D1-8CC5-1F9B823F8514}"/>
               </a:ext>
             </a:extLst>
           </p:cNvPr>
@@ -2902,7 +2902,7 @@
             </a:lvl1pPr>
           </a:lstStyle>
           <a:p>
-            <a:fld id="{F1A23D3D-EE4C-4A75-9B19-788BA04AA439}" type="datetimeFigureOut">
+            <a:fld id="{B286C99A-F7B6-4C0F-9D16-9314CE68E2F9}" type="datetimeFigureOut">
               <a:rPr lang="zh-CN" altLang="en-US" smtClean="0"/>
               <a:t>2024/3/10</a:t>
             </a:fld>
@@ -2915,7 +2915,7 @@
           <p:cNvPr id="5" name="页脚占位符 4">
             <a:extLst>
               <a:ext uri="{FF2B5EF4-FFF2-40B4-BE49-F238E27FC236}">
-                <a16:creationId xmlns:a16="http://schemas.microsoft.com/office/drawing/2014/main" id="{0E019027-F716-8F04-6DD8-572339371CCB}"/>
+                <a16:creationId xmlns:a16="http://schemas.microsoft.com/office/drawing/2014/main" id="{ACD07500-83F5-BCB2-91D1-68CDA20C322F}"/>
               </a:ext>
             </a:extLst>
           </p:cNvPr>
@@ -2958,7 +2958,7 @@
           <p:cNvPr id="6" name="灯片编号占位符 5">
             <a:extLst>
               <a:ext uri="{FF2B5EF4-FFF2-40B4-BE49-F238E27FC236}">
-                <a16:creationId xmlns:a16="http://schemas.microsoft.com/office/drawing/2014/main" id="{080843BE-0872-2FB1-2AEA-4DFB69AAA29F}"/>
+                <a16:creationId xmlns:a16="http://schemas.microsoft.com/office/drawing/2014/main" id="{5C1AE3F3-D27D-2D31-89C0-552A42C099A7}"/>
               </a:ext>
             </a:extLst>
           </p:cNvPr>
@@ -2992,7 +2992,7 @@
             </a:lvl1pPr>
           </a:lstStyle>
           <a:p>
-            <a:fld id="{A1D2299D-E0AB-451C-8648-D70B2A4833AC}" type="slidenum">
+            <a:fld id="{2DE6AC3E-0459-406A-ACD0-569C30511883}" type="slidenum">
               <a:rPr lang="zh-CN" altLang="en-US" smtClean="0"/>
               <a:t>‹#›</a:t>
             </a:fld>
@@ -3003,7 +3003,7 @@
     </p:spTree>
     <p:extLst>
       <p:ext uri="{BB962C8B-B14F-4D97-AF65-F5344CB8AC3E}">
-        <p14:creationId xmlns:p14="http://schemas.microsoft.com/office/powerpoint/2010/main" val="3416758443"/>
+        <p14:creationId xmlns:p14="http://schemas.microsoft.com/office/powerpoint/2010/main" val="3182974000"/>
       </p:ext>
     </p:extLst>
   </p:cSld>
